--- a/Presentation.pptx
+++ b/Presentation.pptx
@@ -5,7 +5,7 @@
     <p:sldMasterId id="2147483696" r:id="rId1"/>
   </p:sldMasterIdLst>
   <p:notesMasterIdLst>
-    <p:notesMasterId r:id="rId32"/>
+    <p:notesMasterId r:id="rId31"/>
   </p:notesMasterIdLst>
   <p:sldIdLst>
     <p:sldId id="256" r:id="rId2"/>
@@ -16,28 +16,27 @@
     <p:sldId id="288" r:id="rId7"/>
     <p:sldId id="259" r:id="rId8"/>
     <p:sldId id="285" r:id="rId9"/>
-    <p:sldId id="263" r:id="rId10"/>
-    <p:sldId id="264" r:id="rId11"/>
-    <p:sldId id="265" r:id="rId12"/>
-    <p:sldId id="286" r:id="rId13"/>
-    <p:sldId id="279" r:id="rId14"/>
-    <p:sldId id="280" r:id="rId15"/>
-    <p:sldId id="281" r:id="rId16"/>
-    <p:sldId id="282" r:id="rId17"/>
-    <p:sldId id="283" r:id="rId18"/>
-    <p:sldId id="284" r:id="rId19"/>
-    <p:sldId id="272" r:id="rId20"/>
-    <p:sldId id="273" r:id="rId21"/>
-    <p:sldId id="274" r:id="rId22"/>
-    <p:sldId id="266" r:id="rId23"/>
-    <p:sldId id="275" r:id="rId24"/>
-    <p:sldId id="287" r:id="rId25"/>
-    <p:sldId id="267" r:id="rId26"/>
-    <p:sldId id="268" r:id="rId27"/>
-    <p:sldId id="269" r:id="rId28"/>
-    <p:sldId id="270" r:id="rId29"/>
-    <p:sldId id="261" r:id="rId30"/>
-    <p:sldId id="262" r:id="rId31"/>
+    <p:sldId id="264" r:id="rId10"/>
+    <p:sldId id="265" r:id="rId11"/>
+    <p:sldId id="286" r:id="rId12"/>
+    <p:sldId id="279" r:id="rId13"/>
+    <p:sldId id="280" r:id="rId14"/>
+    <p:sldId id="281" r:id="rId15"/>
+    <p:sldId id="282" r:id="rId16"/>
+    <p:sldId id="283" r:id="rId17"/>
+    <p:sldId id="284" r:id="rId18"/>
+    <p:sldId id="272" r:id="rId19"/>
+    <p:sldId id="273" r:id="rId20"/>
+    <p:sldId id="274" r:id="rId21"/>
+    <p:sldId id="266" r:id="rId22"/>
+    <p:sldId id="275" r:id="rId23"/>
+    <p:sldId id="287" r:id="rId24"/>
+    <p:sldId id="267" r:id="rId25"/>
+    <p:sldId id="268" r:id="rId26"/>
+    <p:sldId id="269" r:id="rId27"/>
+    <p:sldId id="270" r:id="rId28"/>
+    <p:sldId id="261" r:id="rId29"/>
+    <p:sldId id="262" r:id="rId30"/>
   </p:sldIdLst>
   <p:sldSz cx="12192000" cy="6858000"/>
   <p:notesSz cx="6858000" cy="9144000"/>
@@ -149,7 +148,7 @@
   <pc:docChgLst>
     <pc:chgData name="Zanny O'Donnell" userId="dfe4b56695a0ff5c" providerId="LiveId" clId="{8EDD9256-6E9A-43ED-B79F-EAEB076AB8A5}"/>
     <pc:docChg chg="undo custSel addSld delSld modSld sldOrd">
-      <pc:chgData name="Zanny O'Donnell" userId="dfe4b56695a0ff5c" providerId="LiveId" clId="{8EDD9256-6E9A-43ED-B79F-EAEB076AB8A5}" dt="2020-04-16T01:30:27.352" v="4821" actId="20577"/>
+      <pc:chgData name="Zanny O'Donnell" userId="dfe4b56695a0ff5c" providerId="LiveId" clId="{8EDD9256-6E9A-43ED-B79F-EAEB076AB8A5}" dt="2020-04-16T02:07:15.707" v="4881"/>
       <pc:docMkLst>
         <pc:docMk/>
       </pc:docMkLst>
@@ -169,7 +168,7 @@
         </pc:spChg>
       </pc:sldChg>
       <pc:sldChg chg="addSp delSp modSp add mod modNotesTx">
-        <pc:chgData name="Zanny O'Donnell" userId="dfe4b56695a0ff5c" providerId="LiveId" clId="{8EDD9256-6E9A-43ED-B79F-EAEB076AB8A5}" dt="2020-04-16T01:22:14.022" v="4797" actId="20577"/>
+        <pc:chgData name="Zanny O'Donnell" userId="dfe4b56695a0ff5c" providerId="LiveId" clId="{8EDD9256-6E9A-43ED-B79F-EAEB076AB8A5}" dt="2020-04-16T02:06:17.803" v="4827" actId="20577"/>
         <pc:sldMkLst>
           <pc:docMk/>
           <pc:sldMk cId="3989103481" sldId="257"/>
@@ -183,7 +182,7 @@
           </ac:spMkLst>
         </pc:spChg>
         <pc:spChg chg="mod">
-          <ac:chgData name="Zanny O'Donnell" userId="dfe4b56695a0ff5c" providerId="LiveId" clId="{8EDD9256-6E9A-43ED-B79F-EAEB076AB8A5}" dt="2020-04-16T01:22:14.022" v="4797" actId="20577"/>
+          <ac:chgData name="Zanny O'Donnell" userId="dfe4b56695a0ff5c" providerId="LiveId" clId="{8EDD9256-6E9A-43ED-B79F-EAEB076AB8A5}" dt="2020-04-16T02:06:17.803" v="4827" actId="20577"/>
           <ac:spMkLst>
             <pc:docMk/>
             <pc:sldMk cId="3989103481" sldId="257"/>
@@ -239,7 +238,7 @@
         </pc:spChg>
       </pc:sldChg>
       <pc:sldChg chg="modSp add mod ord modNotesTx">
-        <pc:chgData name="Zanny O'Donnell" userId="dfe4b56695a0ff5c" providerId="LiveId" clId="{8EDD9256-6E9A-43ED-B79F-EAEB076AB8A5}" dt="2020-04-16T01:00:09.864" v="4686" actId="20577"/>
+        <pc:chgData name="Zanny O'Donnell" userId="dfe4b56695a0ff5c" providerId="LiveId" clId="{8EDD9256-6E9A-43ED-B79F-EAEB076AB8A5}" dt="2020-04-16T02:06:51.044" v="4879" actId="20577"/>
         <pc:sldMkLst>
           <pc:docMk/>
           <pc:sldMk cId="1063950786" sldId="259"/>
@@ -253,7 +252,7 @@
           </ac:spMkLst>
         </pc:spChg>
         <pc:spChg chg="mod">
-          <ac:chgData name="Zanny O'Donnell" userId="dfe4b56695a0ff5c" providerId="LiveId" clId="{8EDD9256-6E9A-43ED-B79F-EAEB076AB8A5}" dt="2020-04-16T00:29:20.501" v="4053" actId="6549"/>
+          <ac:chgData name="Zanny O'Donnell" userId="dfe4b56695a0ff5c" providerId="LiveId" clId="{8EDD9256-6E9A-43ED-B79F-EAEB076AB8A5}" dt="2020-04-16T02:06:51.044" v="4879" actId="20577"/>
           <ac:spMkLst>
             <pc:docMk/>
             <pc:sldMk cId="1063950786" sldId="259"/>
@@ -370,8 +369,8 @@
           </ac:picMkLst>
         </pc:picChg>
       </pc:sldChg>
-      <pc:sldChg chg="addSp delSp modSp add mod ord modNotesTx">
-        <pc:chgData name="Zanny O'Donnell" userId="dfe4b56695a0ff5c" providerId="LiveId" clId="{8EDD9256-6E9A-43ED-B79F-EAEB076AB8A5}" dt="2020-04-16T00:01:40.645" v="3642" actId="255"/>
+      <pc:sldChg chg="addSp delSp modSp add del mod ord modNotesTx">
+        <pc:chgData name="Zanny O'Donnell" userId="dfe4b56695a0ff5c" providerId="LiveId" clId="{8EDD9256-6E9A-43ED-B79F-EAEB076AB8A5}" dt="2020-04-16T02:06:56.700" v="4880" actId="2696"/>
         <pc:sldMkLst>
           <pc:docMk/>
           <pc:sldMk cId="3714823531" sldId="263"/>
@@ -803,7 +802,7 @@
         </pc:spChg>
       </pc:sldChg>
       <pc:sldChg chg="modSp add mod ord">
-        <pc:chgData name="Zanny O'Donnell" userId="dfe4b56695a0ff5c" providerId="LiveId" clId="{8EDD9256-6E9A-43ED-B79F-EAEB076AB8A5}" dt="2020-04-16T00:03:02.105" v="3650"/>
+        <pc:chgData name="Zanny O'Donnell" userId="dfe4b56695a0ff5c" providerId="LiveId" clId="{8EDD9256-6E9A-43ED-B79F-EAEB076AB8A5}" dt="2020-04-16T02:07:15.707" v="4881"/>
         <pc:sldMkLst>
           <pc:docMk/>
           <pc:sldMk cId="1039731768" sldId="285"/>
@@ -817,7 +816,7 @@
           </ac:spMkLst>
         </pc:spChg>
         <pc:spChg chg="mod">
-          <ac:chgData name="Zanny O'Donnell" userId="dfe4b56695a0ff5c" providerId="LiveId" clId="{8EDD9256-6E9A-43ED-B79F-EAEB076AB8A5}" dt="2020-04-16T00:03:02.105" v="3650"/>
+          <ac:chgData name="Zanny O'Donnell" userId="dfe4b56695a0ff5c" providerId="LiveId" clId="{8EDD9256-6E9A-43ED-B79F-EAEB076AB8A5}" dt="2020-04-16T02:07:15.707" v="4881"/>
           <ac:spMkLst>
             <pc:docMk/>
             <pc:sldMk cId="1039731768" sldId="285"/>
@@ -1392,6 +1391,12 @@
               <a:t>Zanny</a:t>
             </a:r>
           </a:p>
+          <a:p>
+            <a:r>
+              <a:rPr lang="en-US" dirty="0"/>
+              <a:t>* Look up and include year with most releases and the year with highest average rating</a:t>
+            </a:r>
+          </a:p>
         </p:txBody>
       </p:sp>
       <p:sp>
@@ -1420,7 +1425,7 @@
     </p:spTree>
     <p:extLst>
       <p:ext uri="{BB962C8B-B14F-4D97-AF65-F5344CB8AC3E}">
-        <p14:creationId xmlns:p14="http://schemas.microsoft.com/office/powerpoint/2010/main" val="3213101067"/>
+        <p14:creationId xmlns:p14="http://schemas.microsoft.com/office/powerpoint/2010/main" val="67794843"/>
       </p:ext>
     </p:extLst>
   </p:cSld>
@@ -1476,13 +1481,7 @@
           <a:p>
             <a:r>
               <a:rPr lang="en-US" dirty="0"/>
-              <a:t>Zanny</a:t>
-            </a:r>
-          </a:p>
-          <a:p>
-            <a:r>
-              <a:rPr lang="en-US" dirty="0"/>
-              <a:t>* Look up and include year with most releases and the year with highest average rating</a:t>
+              <a:t>Cody</a:t>
             </a:r>
           </a:p>
         </p:txBody>
@@ -1513,7 +1512,7 @@
     </p:spTree>
     <p:extLst>
       <p:ext uri="{BB962C8B-B14F-4D97-AF65-F5344CB8AC3E}">
-        <p14:creationId xmlns:p14="http://schemas.microsoft.com/office/powerpoint/2010/main" val="67794843"/>
+        <p14:creationId xmlns:p14="http://schemas.microsoft.com/office/powerpoint/2010/main" val="526043339"/>
       </p:ext>
     </p:extLst>
   </p:cSld>
@@ -1569,7 +1568,7 @@
           <a:p>
             <a:r>
               <a:rPr lang="en-US" dirty="0"/>
-              <a:t>Cody</a:t>
+              <a:t>Saki</a:t>
             </a:r>
           </a:p>
         </p:txBody>
@@ -1600,7 +1599,7 @@
     </p:spTree>
     <p:extLst>
       <p:ext uri="{BB962C8B-B14F-4D97-AF65-F5344CB8AC3E}">
-        <p14:creationId xmlns:p14="http://schemas.microsoft.com/office/powerpoint/2010/main" val="526043339"/>
+        <p14:creationId xmlns:p14="http://schemas.microsoft.com/office/powerpoint/2010/main" val="1361234477"/>
       </p:ext>
     </p:extLst>
   </p:cSld>
@@ -1687,7 +1686,7 @@
     </p:spTree>
     <p:extLst>
       <p:ext uri="{BB962C8B-B14F-4D97-AF65-F5344CB8AC3E}">
-        <p14:creationId xmlns:p14="http://schemas.microsoft.com/office/powerpoint/2010/main" val="1361234477"/>
+        <p14:creationId xmlns:p14="http://schemas.microsoft.com/office/powerpoint/2010/main" val="679269133"/>
       </p:ext>
     </p:extLst>
   </p:cSld>
@@ -1774,7 +1773,7 @@
     </p:spTree>
     <p:extLst>
       <p:ext uri="{BB962C8B-B14F-4D97-AF65-F5344CB8AC3E}">
-        <p14:creationId xmlns:p14="http://schemas.microsoft.com/office/powerpoint/2010/main" val="679269133"/>
+        <p14:creationId xmlns:p14="http://schemas.microsoft.com/office/powerpoint/2010/main" val="2728164276"/>
       </p:ext>
     </p:extLst>
   </p:cSld>
@@ -1861,7 +1860,7 @@
     </p:spTree>
     <p:extLst>
       <p:ext uri="{BB962C8B-B14F-4D97-AF65-F5344CB8AC3E}">
-        <p14:creationId xmlns:p14="http://schemas.microsoft.com/office/powerpoint/2010/main" val="2728164276"/>
+        <p14:creationId xmlns:p14="http://schemas.microsoft.com/office/powerpoint/2010/main" val="2639590520"/>
       </p:ext>
     </p:extLst>
   </p:cSld>
@@ -1948,7 +1947,7 @@
     </p:spTree>
     <p:extLst>
       <p:ext uri="{BB962C8B-B14F-4D97-AF65-F5344CB8AC3E}">
-        <p14:creationId xmlns:p14="http://schemas.microsoft.com/office/powerpoint/2010/main" val="2639590520"/>
+        <p14:creationId xmlns:p14="http://schemas.microsoft.com/office/powerpoint/2010/main" val="1442034354"/>
       </p:ext>
     </p:extLst>
   </p:cSld>
@@ -2035,7 +2034,7 @@
     </p:spTree>
     <p:extLst>
       <p:ext uri="{BB962C8B-B14F-4D97-AF65-F5344CB8AC3E}">
-        <p14:creationId xmlns:p14="http://schemas.microsoft.com/office/powerpoint/2010/main" val="1442034354"/>
+        <p14:creationId xmlns:p14="http://schemas.microsoft.com/office/powerpoint/2010/main" val="670030004"/>
       </p:ext>
     </p:extLst>
   </p:cSld>
@@ -2091,7 +2090,7 @@
           <a:p>
             <a:r>
               <a:rPr lang="en-US" dirty="0"/>
-              <a:t>Saki</a:t>
+              <a:t>Cody</a:t>
             </a:r>
           </a:p>
         </p:txBody>
@@ -2122,7 +2121,7 @@
     </p:spTree>
     <p:extLst>
       <p:ext uri="{BB962C8B-B14F-4D97-AF65-F5344CB8AC3E}">
-        <p14:creationId xmlns:p14="http://schemas.microsoft.com/office/powerpoint/2010/main" val="670030004"/>
+        <p14:creationId xmlns:p14="http://schemas.microsoft.com/office/powerpoint/2010/main" val="500768500"/>
       </p:ext>
     </p:extLst>
   </p:cSld>
@@ -2209,7 +2208,7 @@
     </p:spTree>
     <p:extLst>
       <p:ext uri="{BB962C8B-B14F-4D97-AF65-F5344CB8AC3E}">
-        <p14:creationId xmlns:p14="http://schemas.microsoft.com/office/powerpoint/2010/main" val="500768500"/>
+        <p14:creationId xmlns:p14="http://schemas.microsoft.com/office/powerpoint/2010/main" val="4119725398"/>
       </p:ext>
     </p:extLst>
   </p:cSld>
@@ -2383,7 +2382,7 @@
     </p:spTree>
     <p:extLst>
       <p:ext uri="{BB962C8B-B14F-4D97-AF65-F5344CB8AC3E}">
-        <p14:creationId xmlns:p14="http://schemas.microsoft.com/office/powerpoint/2010/main" val="4119725398"/>
+        <p14:creationId xmlns:p14="http://schemas.microsoft.com/office/powerpoint/2010/main" val="887969274"/>
       </p:ext>
     </p:extLst>
   </p:cSld>
@@ -2470,7 +2469,7 @@
     </p:spTree>
     <p:extLst>
       <p:ext uri="{BB962C8B-B14F-4D97-AF65-F5344CB8AC3E}">
-        <p14:creationId xmlns:p14="http://schemas.microsoft.com/office/powerpoint/2010/main" val="887969274"/>
+        <p14:creationId xmlns:p14="http://schemas.microsoft.com/office/powerpoint/2010/main" val="660248445"/>
       </p:ext>
     </p:extLst>
   </p:cSld>
@@ -2557,7 +2556,7 @@
     </p:spTree>
     <p:extLst>
       <p:ext uri="{BB962C8B-B14F-4D97-AF65-F5344CB8AC3E}">
-        <p14:creationId xmlns:p14="http://schemas.microsoft.com/office/powerpoint/2010/main" val="660248445"/>
+        <p14:creationId xmlns:p14="http://schemas.microsoft.com/office/powerpoint/2010/main" val="2199766919"/>
       </p:ext>
     </p:extLst>
   </p:cSld>
@@ -2644,7 +2643,7 @@
     </p:spTree>
     <p:extLst>
       <p:ext uri="{BB962C8B-B14F-4D97-AF65-F5344CB8AC3E}">
-        <p14:creationId xmlns:p14="http://schemas.microsoft.com/office/powerpoint/2010/main" val="2199766919"/>
+        <p14:creationId xmlns:p14="http://schemas.microsoft.com/office/powerpoint/2010/main" val="3795871868"/>
       </p:ext>
     </p:extLst>
   </p:cSld>
@@ -2700,7 +2699,7 @@
           <a:p>
             <a:r>
               <a:rPr lang="en-US" dirty="0"/>
-              <a:t>Cody</a:t>
+              <a:t>Bridget</a:t>
             </a:r>
           </a:p>
         </p:txBody>
@@ -2731,7 +2730,7 @@
     </p:spTree>
     <p:extLst>
       <p:ext uri="{BB962C8B-B14F-4D97-AF65-F5344CB8AC3E}">
-        <p14:creationId xmlns:p14="http://schemas.microsoft.com/office/powerpoint/2010/main" val="3795871868"/>
+        <p14:creationId xmlns:p14="http://schemas.microsoft.com/office/powerpoint/2010/main" val="2659264895"/>
       </p:ext>
     </p:extLst>
   </p:cSld>
@@ -2818,7 +2817,7 @@
     </p:spTree>
     <p:extLst>
       <p:ext uri="{BB962C8B-B14F-4D97-AF65-F5344CB8AC3E}">
-        <p14:creationId xmlns:p14="http://schemas.microsoft.com/office/powerpoint/2010/main" val="2659264895"/>
+        <p14:creationId xmlns:p14="http://schemas.microsoft.com/office/powerpoint/2010/main" val="4066526021"/>
       </p:ext>
     </p:extLst>
   </p:cSld>
@@ -2905,7 +2904,7 @@
     </p:spTree>
     <p:extLst>
       <p:ext uri="{BB962C8B-B14F-4D97-AF65-F5344CB8AC3E}">
-        <p14:creationId xmlns:p14="http://schemas.microsoft.com/office/powerpoint/2010/main" val="4066526021"/>
+        <p14:creationId xmlns:p14="http://schemas.microsoft.com/office/powerpoint/2010/main" val="3399559071"/>
       </p:ext>
     </p:extLst>
   </p:cSld>
@@ -2992,7 +2991,7 @@
     </p:spTree>
     <p:extLst>
       <p:ext uri="{BB962C8B-B14F-4D97-AF65-F5344CB8AC3E}">
-        <p14:creationId xmlns:p14="http://schemas.microsoft.com/office/powerpoint/2010/main" val="3399559071"/>
+        <p14:creationId xmlns:p14="http://schemas.microsoft.com/office/powerpoint/2010/main" val="2973472886"/>
       </p:ext>
     </p:extLst>
   </p:cSld>
@@ -3048,7 +3047,7 @@
           <a:p>
             <a:r>
               <a:rPr lang="en-US" dirty="0"/>
-              <a:t>Bridget</a:t>
+              <a:t>*Bridget</a:t>
             </a:r>
           </a:p>
         </p:txBody>
@@ -3079,7 +3078,7 @@
     </p:spTree>
     <p:extLst>
       <p:ext uri="{BB962C8B-B14F-4D97-AF65-F5344CB8AC3E}">
-        <p14:creationId xmlns:p14="http://schemas.microsoft.com/office/powerpoint/2010/main" val="2973472886"/>
+        <p14:creationId xmlns:p14="http://schemas.microsoft.com/office/powerpoint/2010/main" val="3251738178"/>
       </p:ext>
     </p:extLst>
   </p:cSld>
@@ -3133,9 +3132,13 @@
           <a:bodyPr/>
           <a:lstStyle/>
           <a:p>
+            <a:pPr marL="0" indent="0">
+              <a:buFont typeface="Arial" panose="020B0604020202020204" pitchFamily="34" charset="0"/>
+              <a:buNone/>
+            </a:pPr>
             <a:r>
               <a:rPr lang="en-US" dirty="0"/>
-              <a:t>*Bridget</a:t>
+              <a:t>*All</a:t>
             </a:r>
           </a:p>
         </p:txBody>
@@ -3166,7 +3169,7 @@
     </p:spTree>
     <p:extLst>
       <p:ext uri="{BB962C8B-B14F-4D97-AF65-F5344CB8AC3E}">
-        <p14:creationId xmlns:p14="http://schemas.microsoft.com/office/powerpoint/2010/main" val="3251738178"/>
+        <p14:creationId xmlns:p14="http://schemas.microsoft.com/office/powerpoint/2010/main" val="123030612"/>
       </p:ext>
     </p:extLst>
   </p:cSld>
@@ -3254,97 +3257,6 @@
     <p:extLst>
       <p:ext uri="{BB962C8B-B14F-4D97-AF65-F5344CB8AC3E}">
         <p14:creationId xmlns:p14="http://schemas.microsoft.com/office/powerpoint/2010/main" val="2102848516"/>
-      </p:ext>
-    </p:extLst>
-  </p:cSld>
-  <p:clrMapOvr>
-    <a:masterClrMapping/>
-  </p:clrMapOvr>
-</p:notes>
-</file>
-
-<file path=ppt/notesSlides/notesSlide30.xml><?xml version="1.0" encoding="utf-8"?>
-<p:notes xmlns:a="http://schemas.openxmlformats.org/drawingml/2006/main" xmlns:r="http://schemas.openxmlformats.org/officeDocument/2006/relationships" xmlns:p="http://schemas.openxmlformats.org/presentationml/2006/main">
-  <p:cSld>
-    <p:spTree>
-      <p:nvGrpSpPr>
-        <p:cNvPr id="1" name=""/>
-        <p:cNvGrpSpPr/>
-        <p:nvPr/>
-      </p:nvGrpSpPr>
-      <p:grpSpPr>
-        <a:xfrm>
-          <a:off x="0" y="0"/>
-          <a:ext cx="0" cy="0"/>
-          <a:chOff x="0" y="0"/>
-          <a:chExt cx="0" cy="0"/>
-        </a:xfrm>
-      </p:grpSpPr>
-      <p:sp>
-        <p:nvSpPr>
-          <p:cNvPr id="2" name="Slide Image Placeholder 1"/>
-          <p:cNvSpPr>
-            <a:spLocks noGrp="1" noRot="1" noChangeAspect="1"/>
-          </p:cNvSpPr>
-          <p:nvPr>
-            <p:ph type="sldImg"/>
-          </p:nvPr>
-        </p:nvSpPr>
-        <p:spPr/>
-      </p:sp>
-      <p:sp>
-        <p:nvSpPr>
-          <p:cNvPr id="3" name="Notes Placeholder 2"/>
-          <p:cNvSpPr>
-            <a:spLocks noGrp="1"/>
-          </p:cNvSpPr>
-          <p:nvPr>
-            <p:ph type="body" idx="1"/>
-          </p:nvPr>
-        </p:nvSpPr>
-        <p:spPr/>
-        <p:txBody>
-          <a:bodyPr/>
-          <a:lstStyle/>
-          <a:p>
-            <a:pPr marL="0" indent="0">
-              <a:buFont typeface="Arial" panose="020B0604020202020204" pitchFamily="34" charset="0"/>
-              <a:buNone/>
-            </a:pPr>
-            <a:r>
-              <a:rPr lang="en-US" dirty="0"/>
-              <a:t>*All</a:t>
-            </a:r>
-          </a:p>
-        </p:txBody>
-      </p:sp>
-      <p:sp>
-        <p:nvSpPr>
-          <p:cNvPr id="4" name="Slide Number Placeholder 3"/>
-          <p:cNvSpPr>
-            <a:spLocks noGrp="1"/>
-          </p:cNvSpPr>
-          <p:nvPr>
-            <p:ph type="sldNum" sz="quarter" idx="5"/>
-          </p:nvPr>
-        </p:nvSpPr>
-        <p:spPr/>
-        <p:txBody>
-          <a:bodyPr/>
-          <a:lstStyle/>
-          <a:p>
-            <a:fld id="{243A68FE-8EC0-488E-9CB0-A31CE84BB1E0}" type="slidenum">
-              <a:rPr lang="en-US" smtClean="0"/>
-              <a:t>30</a:t>
-            </a:fld>
-            <a:endParaRPr lang="en-US"/>
-          </a:p>
-        </p:txBody>
-      </p:sp>
-    </p:spTree>
-    <p:extLst>
-      <p:ext uri="{BB962C8B-B14F-4D97-AF65-F5344CB8AC3E}">
-        <p14:creationId xmlns:p14="http://schemas.microsoft.com/office/powerpoint/2010/main" val="123030612"/>
       </p:ext>
     </p:extLst>
   </p:cSld>
@@ -3908,7 +3820,7 @@
     </p:spTree>
     <p:extLst>
       <p:ext uri="{BB962C8B-B14F-4D97-AF65-F5344CB8AC3E}">
-        <p14:creationId xmlns:p14="http://schemas.microsoft.com/office/powerpoint/2010/main" val="3796450232"/>
+        <p14:creationId xmlns:p14="http://schemas.microsoft.com/office/powerpoint/2010/main" val="3213101067"/>
       </p:ext>
     </p:extLst>
   </p:cSld>
@@ -7795,154 +7707,6 @@
           <a:p>
             <a:r>
               <a:rPr lang="en-US" dirty="0"/>
-              <a:t>Does the release year affect movie rating?</a:t>
-            </a:r>
-          </a:p>
-        </p:txBody>
-      </p:sp>
-      <p:sp>
-        <p:nvSpPr>
-          <p:cNvPr id="3" name="Content Placeholder 2">
-            <a:extLst>
-              <a:ext uri="{FF2B5EF4-FFF2-40B4-BE49-F238E27FC236}">
-                <a16:creationId xmlns:a16="http://schemas.microsoft.com/office/drawing/2014/main" id="{C87D542E-D8FE-425C-A663-E07BD3FC45A9}"/>
-              </a:ext>
-            </a:extLst>
-          </p:cNvPr>
-          <p:cNvSpPr>
-            <a:spLocks noGrp="1"/>
-          </p:cNvSpPr>
-          <p:nvPr>
-            <p:ph sz="half" idx="1"/>
-          </p:nvPr>
-        </p:nvSpPr>
-        <p:spPr/>
-        <p:txBody>
-          <a:bodyPr/>
-          <a:lstStyle/>
-          <a:p>
-            <a:r>
-              <a:rPr lang="en-US" dirty="0"/>
-              <a:t>Parameters</a:t>
-            </a:r>
-          </a:p>
-          <a:p>
-            <a:pPr lvl="1"/>
-            <a:r>
-              <a:rPr lang="en-US" dirty="0"/>
-              <a:t>Compared the number of movies released in each year to the average rating</a:t>
-            </a:r>
-          </a:p>
-          <a:p>
-            <a:pPr lvl="1"/>
-            <a:r>
-              <a:rPr lang="en-US" dirty="0"/>
-              <a:t>Rating is average all ratings for all movies in individual years</a:t>
-            </a:r>
-          </a:p>
-          <a:p>
-            <a:r>
-              <a:rPr lang="en-US" dirty="0"/>
-              <a:t>Findings</a:t>
-            </a:r>
-          </a:p>
-          <a:p>
-            <a:pPr lvl="1"/>
-            <a:r>
-              <a:rPr lang="en-US" dirty="0"/>
-              <a:t>Not really</a:t>
-            </a:r>
-          </a:p>
-        </p:txBody>
-      </p:sp>
-      <p:pic>
-        <p:nvPicPr>
-          <p:cNvPr id="8" name="Content Placeholder 7">
-            <a:extLst>
-              <a:ext uri="{FF2B5EF4-FFF2-40B4-BE49-F238E27FC236}">
-                <a16:creationId xmlns:a16="http://schemas.microsoft.com/office/drawing/2014/main" id="{71B13813-E0BB-449B-B89F-0902728DAA5A}"/>
-              </a:ext>
-            </a:extLst>
-          </p:cNvPr>
-          <p:cNvPicPr>
-            <a:picLocks noGrp="1" noChangeAspect="1"/>
-          </p:cNvPicPr>
-          <p:nvPr>
-            <p:ph sz="half" idx="2"/>
-          </p:nvPr>
-        </p:nvPicPr>
-        <p:blipFill>
-          <a:blip r:embed="rId3">
-            <a:extLst>
-              <a:ext uri="{28A0092B-C50C-407E-A947-70E740481C1C}">
-                <a14:useLocalDpi xmlns:a14="http://schemas.microsoft.com/office/drawing/2010/main" val="0"/>
-              </a:ext>
-            </a:extLst>
-          </a:blip>
-          <a:stretch>
-            <a:fillRect/>
-          </a:stretch>
-        </p:blipFill>
-        <p:spPr>
-          <a:xfrm>
-            <a:off x="5904525" y="2171700"/>
-            <a:ext cx="5852225" cy="3956434"/>
-          </a:xfrm>
-        </p:spPr>
-      </p:pic>
-    </p:spTree>
-    <p:extLst>
-      <p:ext uri="{BB962C8B-B14F-4D97-AF65-F5344CB8AC3E}">
-        <p14:creationId xmlns:p14="http://schemas.microsoft.com/office/powerpoint/2010/main" val="1577390489"/>
-      </p:ext>
-    </p:extLst>
-  </p:cSld>
-  <p:clrMapOvr>
-    <a:masterClrMapping/>
-  </p:clrMapOvr>
-</p:sld>
-</file>
-
-<file path=ppt/slides/slide11.xml><?xml version="1.0" encoding="utf-8"?>
-<p:sld xmlns:a="http://schemas.openxmlformats.org/drawingml/2006/main" xmlns:r="http://schemas.openxmlformats.org/officeDocument/2006/relationships" xmlns:p="http://schemas.openxmlformats.org/presentationml/2006/main">
-  <p:cSld>
-    <p:spTree>
-      <p:nvGrpSpPr>
-        <p:cNvPr id="1" name=""/>
-        <p:cNvGrpSpPr/>
-        <p:nvPr/>
-      </p:nvGrpSpPr>
-      <p:grpSpPr>
-        <a:xfrm>
-          <a:off x="0" y="0"/>
-          <a:ext cx="0" cy="0"/>
-          <a:chOff x="0" y="0"/>
-          <a:chExt cx="0" cy="0"/>
-        </a:xfrm>
-      </p:grpSpPr>
-      <p:sp>
-        <p:nvSpPr>
-          <p:cNvPr id="2" name="Title 1">
-            <a:extLst>
-              <a:ext uri="{FF2B5EF4-FFF2-40B4-BE49-F238E27FC236}">
-                <a16:creationId xmlns:a16="http://schemas.microsoft.com/office/drawing/2014/main" id="{DEA2CACD-DBEA-4F6F-A2E5-D491F01BA0A4}"/>
-              </a:ext>
-            </a:extLst>
-          </p:cNvPr>
-          <p:cNvSpPr>
-            <a:spLocks noGrp="1"/>
-          </p:cNvSpPr>
-          <p:nvPr>
-            <p:ph type="title"/>
-          </p:nvPr>
-        </p:nvSpPr>
-        <p:spPr/>
-        <p:txBody>
-          <a:bodyPr/>
-          <a:lstStyle/>
-          <a:p>
-            <a:r>
-              <a:rPr lang="en-US" dirty="0"/>
               <a:t>Does the release year affect movie rating in recent years?</a:t>
             </a:r>
           </a:p>
@@ -8051,7 +7815,7 @@
 </p:sld>
 </file>
 
-<file path=ppt/slides/slide12.xml><?xml version="1.0" encoding="utf-8"?>
+<file path=ppt/slides/slide11.xml><?xml version="1.0" encoding="utf-8"?>
 <p:sld xmlns:a="http://schemas.openxmlformats.org/drawingml/2006/main" xmlns:r="http://schemas.openxmlformats.org/officeDocument/2006/relationships" xmlns:p="http://schemas.openxmlformats.org/presentationml/2006/main">
   <p:cSld>
     <p:spTree>
@@ -8137,7 +7901,7 @@
 </p:sld>
 </file>
 
-<file path=ppt/slides/slide13.xml><?xml version="1.0" encoding="utf-8"?>
+<file path=ppt/slides/slide12.xml><?xml version="1.0" encoding="utf-8"?>
 <p:sld xmlns:a="http://schemas.openxmlformats.org/drawingml/2006/main" xmlns:r="http://schemas.openxmlformats.org/officeDocument/2006/relationships" xmlns:p="http://schemas.openxmlformats.org/presentationml/2006/main">
   <p:cSld>
     <p:spTree>
@@ -9628,7 +9392,7 @@
 </p:sld>
 </file>
 
-<file path=ppt/slides/slide14.xml><?xml version="1.0" encoding="utf-8"?>
+<file path=ppt/slides/slide13.xml><?xml version="1.0" encoding="utf-8"?>
 <p:sld xmlns:a="http://schemas.openxmlformats.org/drawingml/2006/main" xmlns:r="http://schemas.openxmlformats.org/officeDocument/2006/relationships" xmlns:p="http://schemas.openxmlformats.org/presentationml/2006/main">
   <p:cSld>
     <p:spTree>
@@ -9810,7 +9574,7 @@
 </p:sld>
 </file>
 
-<file path=ppt/slides/slide15.xml><?xml version="1.0" encoding="utf-8"?>
+<file path=ppt/slides/slide14.xml><?xml version="1.0" encoding="utf-8"?>
 <p:sld xmlns:a="http://schemas.openxmlformats.org/drawingml/2006/main" xmlns:r="http://schemas.openxmlformats.org/officeDocument/2006/relationships" xmlns:p="http://schemas.openxmlformats.org/presentationml/2006/main">
   <p:cSld>
     <p:spTree>
@@ -11079,7 +10843,7 @@
 </p:sld>
 </file>
 
-<file path=ppt/slides/slide16.xml><?xml version="1.0" encoding="utf-8"?>
+<file path=ppt/slides/slide15.xml><?xml version="1.0" encoding="utf-8"?>
 <p:sld xmlns:a="http://schemas.openxmlformats.org/drawingml/2006/main" xmlns:r="http://schemas.openxmlformats.org/officeDocument/2006/relationships" xmlns:p="http://schemas.openxmlformats.org/presentationml/2006/main">
   <p:cSld>
     <p:spTree>
@@ -11244,7 +11008,7 @@
 </p:sld>
 </file>
 
-<file path=ppt/slides/slide17.xml><?xml version="1.0" encoding="utf-8"?>
+<file path=ppt/slides/slide16.xml><?xml version="1.0" encoding="utf-8"?>
 <p:sld xmlns:a="http://schemas.openxmlformats.org/drawingml/2006/main" xmlns:r="http://schemas.openxmlformats.org/officeDocument/2006/relationships" xmlns:p="http://schemas.openxmlformats.org/presentationml/2006/main">
   <p:cSld>
     <p:spTree>
@@ -11344,7 +11108,7 @@
 </p:sld>
 </file>
 
-<file path=ppt/slides/slide18.xml><?xml version="1.0" encoding="utf-8"?>
+<file path=ppt/slides/slide17.xml><?xml version="1.0" encoding="utf-8"?>
 <p:sld xmlns:a="http://schemas.openxmlformats.org/drawingml/2006/main" xmlns:r="http://schemas.openxmlformats.org/officeDocument/2006/relationships" xmlns:p="http://schemas.openxmlformats.org/presentationml/2006/main">
   <p:cSld>
     <p:spTree>
@@ -11494,7 +11258,7 @@
 </p:sld>
 </file>
 
-<file path=ppt/slides/slide19.xml><?xml version="1.0" encoding="utf-8"?>
+<file path=ppt/slides/slide18.xml><?xml version="1.0" encoding="utf-8"?>
 <p:sld xmlns:a="http://schemas.openxmlformats.org/drawingml/2006/main" xmlns:r="http://schemas.openxmlformats.org/officeDocument/2006/relationships" xmlns:p="http://schemas.openxmlformats.org/presentationml/2006/main">
   <p:cSld>
     <p:spTree>
@@ -11580,244 +11344,7 @@
 </p:sld>
 </file>
 
-<file path=ppt/slides/slide2.xml><?xml version="1.0" encoding="utf-8"?>
-<p:sld xmlns:a="http://schemas.openxmlformats.org/drawingml/2006/main" xmlns:r="http://schemas.openxmlformats.org/officeDocument/2006/relationships" xmlns:p="http://schemas.openxmlformats.org/presentationml/2006/main">
-  <p:cSld>
-    <p:spTree>
-      <p:nvGrpSpPr>
-        <p:cNvPr id="1" name=""/>
-        <p:cNvGrpSpPr/>
-        <p:nvPr/>
-      </p:nvGrpSpPr>
-      <p:grpSpPr>
-        <a:xfrm>
-          <a:off x="0" y="0"/>
-          <a:ext cx="0" cy="0"/>
-          <a:chOff x="0" y="0"/>
-          <a:chExt cx="0" cy="0"/>
-        </a:xfrm>
-      </p:grpSpPr>
-      <p:sp>
-        <p:nvSpPr>
-          <p:cNvPr id="2" name="Title 1">
-            <a:extLst>
-              <a:ext uri="{FF2B5EF4-FFF2-40B4-BE49-F238E27FC236}">
-                <a16:creationId xmlns:a16="http://schemas.microsoft.com/office/drawing/2014/main" id="{95C979EC-AA28-4EC8-95F2-0C8DC8767C47}"/>
-              </a:ext>
-            </a:extLst>
-          </p:cNvPr>
-          <p:cNvSpPr>
-            <a:spLocks noGrp="1"/>
-          </p:cNvSpPr>
-          <p:nvPr>
-            <p:ph type="title"/>
-          </p:nvPr>
-        </p:nvSpPr>
-        <p:spPr/>
-        <p:txBody>
-          <a:bodyPr>
-            <a:noAutofit/>
-          </a:bodyPr>
-          <a:lstStyle/>
-          <a:p>
-            <a:r>
-              <a:rPr lang="en-US" sz="7600" dirty="0"/>
-              <a:t>Motivation &amp; Summary</a:t>
-            </a:r>
-          </a:p>
-        </p:txBody>
-      </p:sp>
-      <p:sp>
-        <p:nvSpPr>
-          <p:cNvPr id="3" name="Content Placeholder 2">
-            <a:extLst>
-              <a:ext uri="{FF2B5EF4-FFF2-40B4-BE49-F238E27FC236}">
-                <a16:creationId xmlns:a16="http://schemas.microsoft.com/office/drawing/2014/main" id="{72FDCEB5-1D18-40BB-B98D-711C26C81BE4}"/>
-              </a:ext>
-            </a:extLst>
-          </p:cNvPr>
-          <p:cNvSpPr>
-            <a:spLocks noGrp="1"/>
-          </p:cNvSpPr>
-          <p:nvPr>
-            <p:ph sz="half" idx="1"/>
-          </p:nvPr>
-        </p:nvSpPr>
-        <p:spPr/>
-        <p:txBody>
-          <a:bodyPr>
-            <a:normAutofit fontScale="85000" lnSpcReduction="20000"/>
-          </a:bodyPr>
-          <a:lstStyle/>
-          <a:p>
-            <a:r>
-              <a:rPr lang="en-US" dirty="0"/>
-              <a:t>Motivation:</a:t>
-            </a:r>
-          </a:p>
-          <a:p>
-            <a:pPr lvl="1"/>
-            <a:r>
-              <a:rPr lang="en-US" dirty="0"/>
-              <a:t>What’s in a movie rating? That which we review by any other standard is still a film.</a:t>
-            </a:r>
-          </a:p>
-          <a:p>
-            <a:r>
-              <a:rPr lang="en-US" dirty="0"/>
-              <a:t>Questions:</a:t>
-            </a:r>
-          </a:p>
-          <a:p>
-            <a:pPr lvl="1"/>
-            <a:r>
-              <a:rPr lang="en-US" dirty="0"/>
-              <a:t>Is average rating affected by any of the following?</a:t>
-            </a:r>
-          </a:p>
-          <a:p>
-            <a:pPr lvl="2"/>
-            <a:r>
-              <a:rPr lang="en-US" dirty="0"/>
-              <a:t>Volume of movies released in a year</a:t>
-            </a:r>
-          </a:p>
-          <a:p>
-            <a:pPr lvl="2"/>
-            <a:r>
-              <a:rPr lang="en-US" dirty="0"/>
-              <a:t>Genre</a:t>
-            </a:r>
-          </a:p>
-          <a:p>
-            <a:pPr lvl="2"/>
-            <a:r>
-              <a:rPr lang="en-US" dirty="0"/>
-              <a:t>Number of votes for each movie</a:t>
-            </a:r>
-          </a:p>
-          <a:p>
-            <a:pPr lvl="2"/>
-            <a:r>
-              <a:rPr lang="en-US" dirty="0"/>
-              <a:t>Run time of movie</a:t>
-            </a:r>
-          </a:p>
-          <a:p>
-            <a:r>
-              <a:rPr lang="en-US" dirty="0"/>
-              <a:t>Findings:</a:t>
-            </a:r>
-          </a:p>
-          <a:p>
-            <a:pPr lvl="1"/>
-            <a:r>
-              <a:rPr lang="en-US" dirty="0"/>
-              <a:t>Spoiler alert! Nothing substantial</a:t>
-            </a:r>
-          </a:p>
-        </p:txBody>
-      </p:sp>
-      <p:pic>
-        <p:nvPicPr>
-          <p:cNvPr id="6" name="Content Placeholder 5">
-            <a:extLst>
-              <a:ext uri="{FF2B5EF4-FFF2-40B4-BE49-F238E27FC236}">
-                <a16:creationId xmlns:a16="http://schemas.microsoft.com/office/drawing/2014/main" id="{8AEA5456-467B-4AF7-874C-46757BE64F72}"/>
-              </a:ext>
-            </a:extLst>
-          </p:cNvPr>
-          <p:cNvPicPr>
-            <a:picLocks noGrp="1" noChangeAspect="1"/>
-          </p:cNvPicPr>
-          <p:nvPr>
-            <p:ph sz="half" idx="2"/>
-          </p:nvPr>
-        </p:nvPicPr>
-        <p:blipFill>
-          <a:blip r:embed="rId3">
-            <a:extLst>
-              <a:ext uri="{28A0092B-C50C-407E-A947-70E740481C1C}">
-                <a14:useLocalDpi xmlns:a14="http://schemas.microsoft.com/office/drawing/2010/main" val="0"/>
-              </a:ext>
-              <a:ext uri="{837473B0-CC2E-450A-ABE3-18F120FF3D39}">
-                <a1611:picAttrSrcUrl xmlns:a1611="http://schemas.microsoft.com/office/drawing/2016/11/main" r:id="rId4"/>
-              </a:ext>
-            </a:extLst>
-          </a:blip>
-          <a:stretch>
-            <a:fillRect/>
-          </a:stretch>
-        </p:blipFill>
-        <p:spPr>
-          <a:xfrm>
-            <a:off x="6372615" y="1956675"/>
-            <a:ext cx="4447785" cy="4215525"/>
-          </a:xfrm>
-        </p:spPr>
-      </p:pic>
-      <p:sp>
-        <p:nvSpPr>
-          <p:cNvPr id="7" name="TextBox 6">
-            <a:extLst>
-              <a:ext uri="{FF2B5EF4-FFF2-40B4-BE49-F238E27FC236}">
-                <a16:creationId xmlns:a16="http://schemas.microsoft.com/office/drawing/2014/main" id="{6645CF13-8105-4376-9D1B-CABB4715DC09}"/>
-              </a:ext>
-            </a:extLst>
-          </p:cNvPr>
-          <p:cNvSpPr txBox="1"/>
-          <p:nvPr/>
-        </p:nvSpPr>
-        <p:spPr>
-          <a:xfrm>
-            <a:off x="6372615" y="6168067"/>
-            <a:ext cx="4447785" cy="234965"/>
-          </a:xfrm>
-          <a:prstGeom prst="rect">
-            <a:avLst/>
-          </a:prstGeom>
-          <a:noFill/>
-        </p:spPr>
-        <p:txBody>
-          <a:bodyPr wrap="square" rtlCol="0">
-            <a:spAutoFit/>
-          </a:bodyPr>
-          <a:lstStyle/>
-          <a:p>
-            <a:r>
-              <a:rPr lang="en-US" sz="900">
-                <a:hlinkClick r:id="rId4" tooltip="http://unostudioingiallo.blogspot.com/2012_09_01_archive.html"/>
-              </a:rPr>
-              <a:t>This Photo</a:t>
-            </a:r>
-            <a:r>
-              <a:rPr lang="en-US" sz="900"/>
-              <a:t> by Unknown Author is licensed under </a:t>
-            </a:r>
-            <a:r>
-              <a:rPr lang="en-US" sz="900">
-                <a:hlinkClick r:id="rId5" tooltip="https://creativecommons.org/licenses/by-nc-nd/3.0/"/>
-              </a:rPr>
-              <a:t>CC BY-NC-ND</a:t>
-            </a:r>
-            <a:endParaRPr lang="en-US" sz="900"/>
-          </a:p>
-        </p:txBody>
-      </p:sp>
-    </p:spTree>
-    <p:extLst>
-      <p:ext uri="{BB962C8B-B14F-4D97-AF65-F5344CB8AC3E}">
-        <p14:creationId xmlns:p14="http://schemas.microsoft.com/office/powerpoint/2010/main" val="3989103481"/>
-      </p:ext>
-    </p:extLst>
-  </p:cSld>
-  <p:clrMapOvr>
-    <a:masterClrMapping/>
-  </p:clrMapOvr>
-</p:sld>
-</file>
-
-<file path=ppt/slides/slide20.xml><?xml version="1.0" encoding="utf-8"?>
+<file path=ppt/slides/slide19.xml><?xml version="1.0" encoding="utf-8"?>
 <p:sld xmlns:a="http://schemas.openxmlformats.org/drawingml/2006/main" xmlns:r="http://schemas.openxmlformats.org/officeDocument/2006/relationships" xmlns:p="http://schemas.openxmlformats.org/presentationml/2006/main">
   <p:cSld>
     <p:spTree>
@@ -11965,7 +11492,244 @@
 </p:sld>
 </file>
 
-<file path=ppt/slides/slide21.xml><?xml version="1.0" encoding="utf-8"?>
+<file path=ppt/slides/slide2.xml><?xml version="1.0" encoding="utf-8"?>
+<p:sld xmlns:a="http://schemas.openxmlformats.org/drawingml/2006/main" xmlns:r="http://schemas.openxmlformats.org/officeDocument/2006/relationships" xmlns:p="http://schemas.openxmlformats.org/presentationml/2006/main">
+  <p:cSld>
+    <p:spTree>
+      <p:nvGrpSpPr>
+        <p:cNvPr id="1" name=""/>
+        <p:cNvGrpSpPr/>
+        <p:nvPr/>
+      </p:nvGrpSpPr>
+      <p:grpSpPr>
+        <a:xfrm>
+          <a:off x="0" y="0"/>
+          <a:ext cx="0" cy="0"/>
+          <a:chOff x="0" y="0"/>
+          <a:chExt cx="0" cy="0"/>
+        </a:xfrm>
+      </p:grpSpPr>
+      <p:sp>
+        <p:nvSpPr>
+          <p:cNvPr id="2" name="Title 1">
+            <a:extLst>
+              <a:ext uri="{FF2B5EF4-FFF2-40B4-BE49-F238E27FC236}">
+                <a16:creationId xmlns:a16="http://schemas.microsoft.com/office/drawing/2014/main" id="{95C979EC-AA28-4EC8-95F2-0C8DC8767C47}"/>
+              </a:ext>
+            </a:extLst>
+          </p:cNvPr>
+          <p:cNvSpPr>
+            <a:spLocks noGrp="1"/>
+          </p:cNvSpPr>
+          <p:nvPr>
+            <p:ph type="title"/>
+          </p:nvPr>
+        </p:nvSpPr>
+        <p:spPr/>
+        <p:txBody>
+          <a:bodyPr>
+            <a:noAutofit/>
+          </a:bodyPr>
+          <a:lstStyle/>
+          <a:p>
+            <a:r>
+              <a:rPr lang="en-US" sz="7600" dirty="0"/>
+              <a:t>Motivation &amp; Summary</a:t>
+            </a:r>
+          </a:p>
+        </p:txBody>
+      </p:sp>
+      <p:sp>
+        <p:nvSpPr>
+          <p:cNvPr id="3" name="Content Placeholder 2">
+            <a:extLst>
+              <a:ext uri="{FF2B5EF4-FFF2-40B4-BE49-F238E27FC236}">
+                <a16:creationId xmlns:a16="http://schemas.microsoft.com/office/drawing/2014/main" id="{72FDCEB5-1D18-40BB-B98D-711C26C81BE4}"/>
+              </a:ext>
+            </a:extLst>
+          </p:cNvPr>
+          <p:cNvSpPr>
+            <a:spLocks noGrp="1"/>
+          </p:cNvSpPr>
+          <p:nvPr>
+            <p:ph sz="half" idx="1"/>
+          </p:nvPr>
+        </p:nvSpPr>
+        <p:spPr/>
+        <p:txBody>
+          <a:bodyPr>
+            <a:normAutofit fontScale="85000" lnSpcReduction="20000"/>
+          </a:bodyPr>
+          <a:lstStyle/>
+          <a:p>
+            <a:r>
+              <a:rPr lang="en-US" dirty="0"/>
+              <a:t>Motivation:</a:t>
+            </a:r>
+          </a:p>
+          <a:p>
+            <a:pPr lvl="1"/>
+            <a:r>
+              <a:rPr lang="en-US" dirty="0"/>
+              <a:t>What’s in a movie rating? That which we review by any other standard is still a film.</a:t>
+            </a:r>
+          </a:p>
+          <a:p>
+            <a:r>
+              <a:rPr lang="en-US" dirty="0"/>
+              <a:t>Questions:</a:t>
+            </a:r>
+          </a:p>
+          <a:p>
+            <a:pPr lvl="1"/>
+            <a:r>
+              <a:rPr lang="en-US" dirty="0"/>
+              <a:t>Is average rating affected by any of the following?</a:t>
+            </a:r>
+          </a:p>
+          <a:p>
+            <a:pPr lvl="2"/>
+            <a:r>
+              <a:rPr lang="en-US" dirty="0"/>
+              <a:t>Year</a:t>
+            </a:r>
+          </a:p>
+          <a:p>
+            <a:pPr lvl="2"/>
+            <a:r>
+              <a:rPr lang="en-US" dirty="0"/>
+              <a:t>Genre</a:t>
+            </a:r>
+          </a:p>
+          <a:p>
+            <a:pPr lvl="2"/>
+            <a:r>
+              <a:rPr lang="en-US" dirty="0"/>
+              <a:t>Number of votes for each movie</a:t>
+            </a:r>
+          </a:p>
+          <a:p>
+            <a:pPr lvl="2"/>
+            <a:r>
+              <a:rPr lang="en-US" dirty="0"/>
+              <a:t>Run time of movie</a:t>
+            </a:r>
+          </a:p>
+          <a:p>
+            <a:r>
+              <a:rPr lang="en-US" dirty="0"/>
+              <a:t>Findings:</a:t>
+            </a:r>
+          </a:p>
+          <a:p>
+            <a:pPr lvl="1"/>
+            <a:r>
+              <a:rPr lang="en-US" dirty="0"/>
+              <a:t>Spoiler alert! Nothing substantial</a:t>
+            </a:r>
+          </a:p>
+        </p:txBody>
+      </p:sp>
+      <p:pic>
+        <p:nvPicPr>
+          <p:cNvPr id="6" name="Content Placeholder 5">
+            <a:extLst>
+              <a:ext uri="{FF2B5EF4-FFF2-40B4-BE49-F238E27FC236}">
+                <a16:creationId xmlns:a16="http://schemas.microsoft.com/office/drawing/2014/main" id="{8AEA5456-467B-4AF7-874C-46757BE64F72}"/>
+              </a:ext>
+            </a:extLst>
+          </p:cNvPr>
+          <p:cNvPicPr>
+            <a:picLocks noGrp="1" noChangeAspect="1"/>
+          </p:cNvPicPr>
+          <p:nvPr>
+            <p:ph sz="half" idx="2"/>
+          </p:nvPr>
+        </p:nvPicPr>
+        <p:blipFill>
+          <a:blip r:embed="rId3">
+            <a:extLst>
+              <a:ext uri="{28A0092B-C50C-407E-A947-70E740481C1C}">
+                <a14:useLocalDpi xmlns:a14="http://schemas.microsoft.com/office/drawing/2010/main" val="0"/>
+              </a:ext>
+              <a:ext uri="{837473B0-CC2E-450A-ABE3-18F120FF3D39}">
+                <a1611:picAttrSrcUrl xmlns:a1611="http://schemas.microsoft.com/office/drawing/2016/11/main" r:id="rId4"/>
+              </a:ext>
+            </a:extLst>
+          </a:blip>
+          <a:stretch>
+            <a:fillRect/>
+          </a:stretch>
+        </p:blipFill>
+        <p:spPr>
+          <a:xfrm>
+            <a:off x="6372615" y="1956675"/>
+            <a:ext cx="4447785" cy="4215525"/>
+          </a:xfrm>
+        </p:spPr>
+      </p:pic>
+      <p:sp>
+        <p:nvSpPr>
+          <p:cNvPr id="7" name="TextBox 6">
+            <a:extLst>
+              <a:ext uri="{FF2B5EF4-FFF2-40B4-BE49-F238E27FC236}">
+                <a16:creationId xmlns:a16="http://schemas.microsoft.com/office/drawing/2014/main" id="{6645CF13-8105-4376-9D1B-CABB4715DC09}"/>
+              </a:ext>
+            </a:extLst>
+          </p:cNvPr>
+          <p:cNvSpPr txBox="1"/>
+          <p:nvPr/>
+        </p:nvSpPr>
+        <p:spPr>
+          <a:xfrm>
+            <a:off x="6372615" y="6168067"/>
+            <a:ext cx="4447785" cy="234965"/>
+          </a:xfrm>
+          <a:prstGeom prst="rect">
+            <a:avLst/>
+          </a:prstGeom>
+          <a:noFill/>
+        </p:spPr>
+        <p:txBody>
+          <a:bodyPr wrap="square" rtlCol="0">
+            <a:spAutoFit/>
+          </a:bodyPr>
+          <a:lstStyle/>
+          <a:p>
+            <a:r>
+              <a:rPr lang="en-US" sz="900">
+                <a:hlinkClick r:id="rId4" tooltip="http://unostudioingiallo.blogspot.com/2012_09_01_archive.html"/>
+              </a:rPr>
+              <a:t>This Photo</a:t>
+            </a:r>
+            <a:r>
+              <a:rPr lang="en-US" sz="900"/>
+              <a:t> by Unknown Author is licensed under </a:t>
+            </a:r>
+            <a:r>
+              <a:rPr lang="en-US" sz="900">
+                <a:hlinkClick r:id="rId5" tooltip="https://creativecommons.org/licenses/by-nc-nd/3.0/"/>
+              </a:rPr>
+              <a:t>CC BY-NC-ND</a:t>
+            </a:r>
+            <a:endParaRPr lang="en-US" sz="900"/>
+          </a:p>
+        </p:txBody>
+      </p:sp>
+    </p:spTree>
+    <p:extLst>
+      <p:ext uri="{BB962C8B-B14F-4D97-AF65-F5344CB8AC3E}">
+        <p14:creationId xmlns:p14="http://schemas.microsoft.com/office/powerpoint/2010/main" val="3989103481"/>
+      </p:ext>
+    </p:extLst>
+  </p:cSld>
+  <p:clrMapOvr>
+    <a:masterClrMapping/>
+  </p:clrMapOvr>
+</p:sld>
+</file>
+
+<file path=ppt/slides/slide20.xml><?xml version="1.0" encoding="utf-8"?>
 <p:sld xmlns:a="http://schemas.openxmlformats.org/drawingml/2006/main" xmlns:r="http://schemas.openxmlformats.org/officeDocument/2006/relationships" xmlns:p="http://schemas.openxmlformats.org/presentationml/2006/main">
   <p:cSld>
     <p:spTree>
@@ -12120,7 +11884,7 @@
 </p:sld>
 </file>
 
-<file path=ppt/slides/slide22.xml><?xml version="1.0" encoding="utf-8"?>
+<file path=ppt/slides/slide21.xml><?xml version="1.0" encoding="utf-8"?>
 <p:sld xmlns:a="http://schemas.openxmlformats.org/drawingml/2006/main" xmlns:r="http://schemas.openxmlformats.org/officeDocument/2006/relationships" xmlns:p="http://schemas.openxmlformats.org/presentationml/2006/main">
   <p:cSld>
     <p:spTree>
@@ -12275,6 +12039,97 @@
 </p:sld>
 </file>
 
+<file path=ppt/slides/slide22.xml><?xml version="1.0" encoding="utf-8"?>
+<p:sld xmlns:a="http://schemas.openxmlformats.org/drawingml/2006/main" xmlns:r="http://schemas.openxmlformats.org/officeDocument/2006/relationships" xmlns:p="http://schemas.openxmlformats.org/presentationml/2006/main">
+  <p:cSld>
+    <p:spTree>
+      <p:nvGrpSpPr>
+        <p:cNvPr id="1" name=""/>
+        <p:cNvGrpSpPr/>
+        <p:nvPr/>
+      </p:nvGrpSpPr>
+      <p:grpSpPr>
+        <a:xfrm>
+          <a:off x="0" y="0"/>
+          <a:ext cx="0" cy="0"/>
+          <a:chOff x="0" y="0"/>
+          <a:chExt cx="0" cy="0"/>
+        </a:xfrm>
+      </p:grpSpPr>
+      <p:sp>
+        <p:nvSpPr>
+          <p:cNvPr id="2" name="Title 1">
+            <a:extLst>
+              <a:ext uri="{FF2B5EF4-FFF2-40B4-BE49-F238E27FC236}">
+                <a16:creationId xmlns:a16="http://schemas.microsoft.com/office/drawing/2014/main" id="{184AA339-A815-4E41-903C-12B81A539ABC}"/>
+              </a:ext>
+            </a:extLst>
+          </p:cNvPr>
+          <p:cNvSpPr>
+            <a:spLocks noGrp="1"/>
+          </p:cNvSpPr>
+          <p:nvPr>
+            <p:ph type="title"/>
+          </p:nvPr>
+        </p:nvSpPr>
+        <p:spPr/>
+        <p:txBody>
+          <a:bodyPr/>
+          <a:lstStyle/>
+          <a:p>
+            <a:r>
+              <a:rPr lang="en-US" dirty="0"/>
+              <a:t>Question 3 Conclusion</a:t>
+            </a:r>
+          </a:p>
+        </p:txBody>
+      </p:sp>
+      <p:sp>
+        <p:nvSpPr>
+          <p:cNvPr id="3" name="Content Placeholder 2">
+            <a:extLst>
+              <a:ext uri="{FF2B5EF4-FFF2-40B4-BE49-F238E27FC236}">
+                <a16:creationId xmlns:a16="http://schemas.microsoft.com/office/drawing/2014/main" id="{34FB67EB-9A72-4E02-9C4F-34DF8CC2FBEE}"/>
+              </a:ext>
+            </a:extLst>
+          </p:cNvPr>
+          <p:cNvSpPr>
+            <a:spLocks noGrp="1"/>
+          </p:cNvSpPr>
+          <p:nvPr>
+            <p:ph idx="1"/>
+          </p:nvPr>
+        </p:nvSpPr>
+        <p:spPr/>
+        <p:txBody>
+          <a:bodyPr>
+            <a:normAutofit/>
+          </a:bodyPr>
+          <a:lstStyle/>
+          <a:p>
+            <a:pPr marL="0" indent="0">
+              <a:buNone/>
+            </a:pPr>
+            <a:r>
+              <a:rPr lang="en-US" sz="4800" dirty="0"/>
+              <a:t>All calculated correlation coefficients show no correlation between the number of votes a movie receives and the average rating of the movie.</a:t>
+            </a:r>
+          </a:p>
+        </p:txBody>
+      </p:sp>
+    </p:spTree>
+    <p:extLst>
+      <p:ext uri="{BB962C8B-B14F-4D97-AF65-F5344CB8AC3E}">
+        <p14:creationId xmlns:p14="http://schemas.microsoft.com/office/powerpoint/2010/main" val="880336132"/>
+      </p:ext>
+    </p:extLst>
+  </p:cSld>
+  <p:clrMapOvr>
+    <a:masterClrMapping/>
+  </p:clrMapOvr>
+</p:sld>
+</file>
+
 <file path=ppt/slides/slide23.xml><?xml version="1.0" encoding="utf-8"?>
 <p:sld xmlns:a="http://schemas.openxmlformats.org/drawingml/2006/main" xmlns:r="http://schemas.openxmlformats.org/officeDocument/2006/relationships" xmlns:p="http://schemas.openxmlformats.org/presentationml/2006/main">
   <p:cSld>
@@ -12297,97 +12152,6 @@
           <p:cNvPr id="2" name="Title 1">
             <a:extLst>
               <a:ext uri="{FF2B5EF4-FFF2-40B4-BE49-F238E27FC236}">
-                <a16:creationId xmlns:a16="http://schemas.microsoft.com/office/drawing/2014/main" id="{184AA339-A815-4E41-903C-12B81A539ABC}"/>
-              </a:ext>
-            </a:extLst>
-          </p:cNvPr>
-          <p:cNvSpPr>
-            <a:spLocks noGrp="1"/>
-          </p:cNvSpPr>
-          <p:nvPr>
-            <p:ph type="title"/>
-          </p:nvPr>
-        </p:nvSpPr>
-        <p:spPr/>
-        <p:txBody>
-          <a:bodyPr/>
-          <a:lstStyle/>
-          <a:p>
-            <a:r>
-              <a:rPr lang="en-US" dirty="0"/>
-              <a:t>Question 3 Conclusion</a:t>
-            </a:r>
-          </a:p>
-        </p:txBody>
-      </p:sp>
-      <p:sp>
-        <p:nvSpPr>
-          <p:cNvPr id="3" name="Content Placeholder 2">
-            <a:extLst>
-              <a:ext uri="{FF2B5EF4-FFF2-40B4-BE49-F238E27FC236}">
-                <a16:creationId xmlns:a16="http://schemas.microsoft.com/office/drawing/2014/main" id="{34FB67EB-9A72-4E02-9C4F-34DF8CC2FBEE}"/>
-              </a:ext>
-            </a:extLst>
-          </p:cNvPr>
-          <p:cNvSpPr>
-            <a:spLocks noGrp="1"/>
-          </p:cNvSpPr>
-          <p:nvPr>
-            <p:ph idx="1"/>
-          </p:nvPr>
-        </p:nvSpPr>
-        <p:spPr/>
-        <p:txBody>
-          <a:bodyPr>
-            <a:normAutofit/>
-          </a:bodyPr>
-          <a:lstStyle/>
-          <a:p>
-            <a:pPr marL="0" indent="0">
-              <a:buNone/>
-            </a:pPr>
-            <a:r>
-              <a:rPr lang="en-US" sz="4800" dirty="0"/>
-              <a:t>All calculated correlation coefficients show no correlation between the number of votes a movie receives and the average rating of the movie.</a:t>
-            </a:r>
-          </a:p>
-        </p:txBody>
-      </p:sp>
-    </p:spTree>
-    <p:extLst>
-      <p:ext uri="{BB962C8B-B14F-4D97-AF65-F5344CB8AC3E}">
-        <p14:creationId xmlns:p14="http://schemas.microsoft.com/office/powerpoint/2010/main" val="880336132"/>
-      </p:ext>
-    </p:extLst>
-  </p:cSld>
-  <p:clrMapOvr>
-    <a:masterClrMapping/>
-  </p:clrMapOvr>
-</p:sld>
-</file>
-
-<file path=ppt/slides/slide24.xml><?xml version="1.0" encoding="utf-8"?>
-<p:sld xmlns:a="http://schemas.openxmlformats.org/drawingml/2006/main" xmlns:r="http://schemas.openxmlformats.org/officeDocument/2006/relationships" xmlns:p="http://schemas.openxmlformats.org/presentationml/2006/main">
-  <p:cSld>
-    <p:spTree>
-      <p:nvGrpSpPr>
-        <p:cNvPr id="1" name=""/>
-        <p:cNvGrpSpPr/>
-        <p:nvPr/>
-      </p:nvGrpSpPr>
-      <p:grpSpPr>
-        <a:xfrm>
-          <a:off x="0" y="0"/>
-          <a:ext cx="0" cy="0"/>
-          <a:chOff x="0" y="0"/>
-          <a:chExt cx="0" cy="0"/>
-        </a:xfrm>
-      </p:grpSpPr>
-      <p:sp>
-        <p:nvSpPr>
-          <p:cNvPr id="2" name="Title 1">
-            <a:extLst>
-              <a:ext uri="{FF2B5EF4-FFF2-40B4-BE49-F238E27FC236}">
                 <a16:creationId xmlns:a16="http://schemas.microsoft.com/office/drawing/2014/main" id="{099CDF03-542E-4B33-81B0-5788407C2A0F}"/>
               </a:ext>
             </a:extLst>
@@ -12452,7 +12216,7 @@
 </p:sld>
 </file>
 
-<file path=ppt/slides/slide25.xml><?xml version="1.0" encoding="utf-8"?>
+<file path=ppt/slides/slide24.xml><?xml version="1.0" encoding="utf-8"?>
 <p:sld xmlns:a="http://schemas.openxmlformats.org/drawingml/2006/main" xmlns:r="http://schemas.openxmlformats.org/officeDocument/2006/relationships" xmlns:p="http://schemas.openxmlformats.org/presentationml/2006/main">
   <p:cSld>
     <p:spTree>
@@ -12618,7 +12382,7 @@
 </p:sld>
 </file>
 
-<file path=ppt/slides/slide26.xml><?xml version="1.0" encoding="utf-8"?>
+<file path=ppt/slides/slide25.xml><?xml version="1.0" encoding="utf-8"?>
 <p:sld xmlns:a="http://schemas.openxmlformats.org/drawingml/2006/main" xmlns:r="http://schemas.openxmlformats.org/officeDocument/2006/relationships" xmlns:p="http://schemas.openxmlformats.org/presentationml/2006/main">
   <p:cSld>
     <p:spTree>
@@ -13195,7 +12959,7 @@
 </p:sld>
 </file>
 
-<file path=ppt/slides/slide27.xml><?xml version="1.0" encoding="utf-8"?>
+<file path=ppt/slides/slide26.xml><?xml version="1.0" encoding="utf-8"?>
 <p:sld xmlns:a="http://schemas.openxmlformats.org/drawingml/2006/main" xmlns:r="http://schemas.openxmlformats.org/officeDocument/2006/relationships" xmlns:p="http://schemas.openxmlformats.org/presentationml/2006/main">
   <p:cSld>
     <p:spTree>
@@ -14274,7 +14038,7 @@
 </p:sld>
 </file>
 
-<file path=ppt/slides/slide28.xml><?xml version="1.0" encoding="utf-8"?>
+<file path=ppt/slides/slide27.xml><?xml version="1.0" encoding="utf-8"?>
 <p:sld xmlns:a="http://schemas.openxmlformats.org/drawingml/2006/main" xmlns:r="http://schemas.openxmlformats.org/officeDocument/2006/relationships" xmlns:p="http://schemas.openxmlformats.org/presentationml/2006/main">
   <p:cSld>
     <p:spTree>
@@ -15575,6 +15339,247 @@
 </p:sld>
 </file>
 
+<file path=ppt/slides/slide28.xml><?xml version="1.0" encoding="utf-8"?>
+<p:sld xmlns:a="http://schemas.openxmlformats.org/drawingml/2006/main" xmlns:r="http://schemas.openxmlformats.org/officeDocument/2006/relationships" xmlns:p="http://schemas.openxmlformats.org/presentationml/2006/main">
+  <p:cSld>
+    <p:spTree>
+      <p:nvGrpSpPr>
+        <p:cNvPr id="1" name=""/>
+        <p:cNvGrpSpPr/>
+        <p:nvPr/>
+      </p:nvGrpSpPr>
+      <p:grpSpPr>
+        <a:xfrm>
+          <a:off x="0" y="0"/>
+          <a:ext cx="0" cy="0"/>
+          <a:chOff x="0" y="0"/>
+          <a:chExt cx="0" cy="0"/>
+        </a:xfrm>
+      </p:grpSpPr>
+      <p:sp>
+        <p:nvSpPr>
+          <p:cNvPr id="2" name="Title 1">
+            <a:extLst>
+              <a:ext uri="{FF2B5EF4-FFF2-40B4-BE49-F238E27FC236}">
+                <a16:creationId xmlns:a16="http://schemas.microsoft.com/office/drawing/2014/main" id="{0AE93D81-6714-408D-9892-9ADF0E0F5693}"/>
+              </a:ext>
+            </a:extLst>
+          </p:cNvPr>
+          <p:cNvSpPr>
+            <a:spLocks noGrp="1"/>
+          </p:cNvSpPr>
+          <p:nvPr>
+            <p:ph type="title"/>
+          </p:nvPr>
+        </p:nvSpPr>
+        <p:spPr/>
+        <p:txBody>
+          <a:bodyPr>
+            <a:noAutofit/>
+          </a:bodyPr>
+          <a:lstStyle/>
+          <a:p>
+            <a:r>
+              <a:rPr lang="en-US" sz="10600" dirty="0"/>
+              <a:t>Post Mortem</a:t>
+            </a:r>
+          </a:p>
+        </p:txBody>
+      </p:sp>
+      <p:sp>
+        <p:nvSpPr>
+          <p:cNvPr id="3" name="Content Placeholder 2">
+            <a:extLst>
+              <a:ext uri="{FF2B5EF4-FFF2-40B4-BE49-F238E27FC236}">
+                <a16:creationId xmlns:a16="http://schemas.microsoft.com/office/drawing/2014/main" id="{4D30CC72-31B6-49D9-8FBD-811774506395}"/>
+              </a:ext>
+            </a:extLst>
+          </p:cNvPr>
+          <p:cNvSpPr>
+            <a:spLocks noGrp="1"/>
+          </p:cNvSpPr>
+          <p:nvPr>
+            <p:ph sz="half" idx="1"/>
+          </p:nvPr>
+        </p:nvSpPr>
+        <p:spPr/>
+        <p:txBody>
+          <a:bodyPr>
+            <a:normAutofit fontScale="85000" lnSpcReduction="20000"/>
+          </a:bodyPr>
+          <a:lstStyle/>
+          <a:p>
+            <a:r>
+              <a:rPr lang="en-US" sz="3800" dirty="0"/>
+              <a:t>Difficulties (or lack thereof):</a:t>
+            </a:r>
+          </a:p>
+          <a:p>
+            <a:pPr lvl="1"/>
+            <a:r>
+              <a:rPr lang="en-US" sz="3800" dirty="0"/>
+              <a:t>Tab separated, converted to comma separated</a:t>
+            </a:r>
+          </a:p>
+          <a:p>
+            <a:pPr lvl="1"/>
+            <a:r>
+              <a:rPr lang="en-US" sz="3800" dirty="0"/>
+              <a:t>Data was free use and download</a:t>
+            </a:r>
+          </a:p>
+          <a:p>
+            <a:pPr lvl="1"/>
+            <a:r>
+              <a:rPr lang="en-US" sz="3800" dirty="0"/>
+              <a:t>Not API</a:t>
+            </a:r>
+          </a:p>
+          <a:p>
+            <a:pPr lvl="3"/>
+            <a:endParaRPr lang="en-US" dirty="0"/>
+          </a:p>
+          <a:p>
+            <a:pPr lvl="1"/>
+            <a:endParaRPr lang="en-US" dirty="0"/>
+          </a:p>
+        </p:txBody>
+      </p:sp>
+      <p:sp>
+        <p:nvSpPr>
+          <p:cNvPr id="4" name="Content Placeholder 3">
+            <a:extLst>
+              <a:ext uri="{FF2B5EF4-FFF2-40B4-BE49-F238E27FC236}">
+                <a16:creationId xmlns:a16="http://schemas.microsoft.com/office/drawing/2014/main" id="{531A29B4-6C35-462F-80D9-134ECB5851E8}"/>
+              </a:ext>
+            </a:extLst>
+          </p:cNvPr>
+          <p:cNvSpPr>
+            <a:spLocks noGrp="1"/>
+          </p:cNvSpPr>
+          <p:nvPr>
+            <p:ph sz="half" idx="2"/>
+          </p:nvPr>
+        </p:nvSpPr>
+        <p:spPr>
+          <a:xfrm>
+            <a:off x="6096000" y="2285999"/>
+            <a:ext cx="5801833" cy="4423145"/>
+          </a:xfrm>
+        </p:spPr>
+        <p:txBody>
+          <a:bodyPr>
+            <a:normAutofit fontScale="85000" lnSpcReduction="20000"/>
+          </a:bodyPr>
+          <a:lstStyle/>
+          <a:p>
+            <a:r>
+              <a:rPr lang="en-US" sz="2100" dirty="0"/>
+              <a:t>Additional questions/further examination:</a:t>
+            </a:r>
+          </a:p>
+          <a:p>
+            <a:pPr lvl="1"/>
+            <a:r>
+              <a:rPr lang="en-US" sz="2100" dirty="0"/>
+              <a:t>IMDb vs. other rating systems</a:t>
+            </a:r>
+          </a:p>
+          <a:p>
+            <a:pPr lvl="1"/>
+            <a:r>
+              <a:rPr lang="en-US" sz="2100" dirty="0"/>
+              <a:t>Explore multi- and subgenre data further</a:t>
+            </a:r>
+          </a:p>
+          <a:p>
+            <a:pPr lvl="2"/>
+            <a:r>
+              <a:rPr lang="en-US" sz="2100" dirty="0"/>
+              <a:t>“Home Alone” effect</a:t>
+            </a:r>
+          </a:p>
+          <a:p>
+            <a:pPr lvl="2"/>
+            <a:r>
+              <a:rPr lang="en-US" sz="2100" dirty="0"/>
+              <a:t>Dark comedy, family comedy, etc.</a:t>
+            </a:r>
+          </a:p>
+          <a:p>
+            <a:pPr lvl="1"/>
+            <a:r>
+              <a:rPr lang="en-US" sz="2100" dirty="0"/>
+              <a:t>Movie budget/profit</a:t>
+            </a:r>
+          </a:p>
+          <a:p>
+            <a:pPr lvl="1"/>
+            <a:r>
+              <a:rPr lang="en-US" sz="2100" dirty="0"/>
+              <a:t>Actors/directors/producers/studios</a:t>
+            </a:r>
+          </a:p>
+          <a:p>
+            <a:pPr lvl="1"/>
+            <a:r>
+              <a:rPr lang="en-US" sz="2100" dirty="0"/>
+              <a:t>Find more data about other influential factors</a:t>
+            </a:r>
+          </a:p>
+          <a:p>
+            <a:pPr lvl="2"/>
+            <a:r>
+              <a:rPr lang="en-US" sz="2100" dirty="0"/>
+              <a:t>Data of users</a:t>
+            </a:r>
+          </a:p>
+          <a:p>
+            <a:pPr lvl="3"/>
+            <a:r>
+              <a:rPr lang="en-US" sz="2100" dirty="0"/>
+              <a:t>Age</a:t>
+            </a:r>
+          </a:p>
+          <a:p>
+            <a:pPr lvl="3"/>
+            <a:r>
+              <a:rPr lang="en-US" sz="2100" dirty="0"/>
+              <a:t>Gender</a:t>
+            </a:r>
+          </a:p>
+          <a:p>
+            <a:pPr lvl="3"/>
+            <a:r>
+              <a:rPr lang="en-US" sz="2100" dirty="0"/>
+              <a:t>Location</a:t>
+            </a:r>
+          </a:p>
+          <a:p>
+            <a:pPr lvl="3"/>
+            <a:r>
+              <a:rPr lang="en-US" sz="2100" dirty="0"/>
+              <a:t>Socioeconomic factors</a:t>
+            </a:r>
+          </a:p>
+          <a:p>
+            <a:endParaRPr lang="en-US" sz="1600" dirty="0"/>
+          </a:p>
+        </p:txBody>
+      </p:sp>
+    </p:spTree>
+    <p:extLst>
+      <p:ext uri="{BB962C8B-B14F-4D97-AF65-F5344CB8AC3E}">
+        <p14:creationId xmlns:p14="http://schemas.microsoft.com/office/powerpoint/2010/main" val="2371117256"/>
+      </p:ext>
+    </p:extLst>
+  </p:cSld>
+  <p:clrMapOvr>
+    <a:masterClrMapping/>
+  </p:clrMapOvr>
+</p:sld>
+</file>
+
 <file path=ppt/slides/slide29.xml><?xml version="1.0" encoding="utf-8"?>
 <p:sld xmlns:a="http://schemas.openxmlformats.org/drawingml/2006/main" xmlns:r="http://schemas.openxmlformats.org/officeDocument/2006/relationships" xmlns:p="http://schemas.openxmlformats.org/presentationml/2006/main">
   <p:cSld>
@@ -15594,10 +15599,10 @@
       </p:grpSpPr>
       <p:sp>
         <p:nvSpPr>
-          <p:cNvPr id="2" name="Title 1">
+          <p:cNvPr id="4" name="Title 3">
             <a:extLst>
               <a:ext uri="{FF2B5EF4-FFF2-40B4-BE49-F238E27FC236}">
-                <a16:creationId xmlns:a16="http://schemas.microsoft.com/office/drawing/2014/main" id="{0AE93D81-6714-408D-9892-9ADF0E0F5693}"/>
+                <a16:creationId xmlns:a16="http://schemas.microsoft.com/office/drawing/2014/main" id="{A5F0E66B-1A7D-4D0A-9DD7-D9D4B5B83398}"/>
               </a:ext>
             </a:extLst>
           </p:cNvPr>
@@ -15610,203 +15615,109 @@
         </p:nvSpPr>
         <p:spPr/>
         <p:txBody>
-          <a:bodyPr>
-            <a:noAutofit/>
+          <a:bodyPr anchor="ctr">
+            <a:normAutofit/>
           </a:bodyPr>
           <a:lstStyle/>
           <a:p>
-            <a:r>
-              <a:rPr lang="en-US" sz="10600" dirty="0"/>
-              <a:t>Post Mortem</a:t>
-            </a:r>
-          </a:p>
-        </p:txBody>
-      </p:sp>
-      <p:sp>
-        <p:nvSpPr>
-          <p:cNvPr id="3" name="Content Placeholder 2">
+            <a:pPr algn="ctr"/>
+            <a:r>
+              <a:rPr lang="en-US" sz="7200" dirty="0"/>
+              <a:t>Questions?</a:t>
+            </a:r>
+          </a:p>
+        </p:txBody>
+      </p:sp>
+      <p:pic>
+        <p:nvPicPr>
+          <p:cNvPr id="7" name="Content Placeholder 6">
             <a:extLst>
               <a:ext uri="{FF2B5EF4-FFF2-40B4-BE49-F238E27FC236}">
-                <a16:creationId xmlns:a16="http://schemas.microsoft.com/office/drawing/2014/main" id="{4D30CC72-31B6-49D9-8FBD-811774506395}"/>
+                <a16:creationId xmlns:a16="http://schemas.microsoft.com/office/drawing/2014/main" id="{42E1B880-EC14-4E30-B6A1-3565E16FB04F}"/>
               </a:ext>
             </a:extLst>
           </p:cNvPr>
-          <p:cNvSpPr>
-            <a:spLocks noGrp="1"/>
-          </p:cNvSpPr>
-          <p:nvPr>
-            <p:ph sz="half" idx="1"/>
-          </p:nvPr>
-        </p:nvSpPr>
-        <p:spPr/>
-        <p:txBody>
-          <a:bodyPr>
-            <a:normAutofit fontScale="85000" lnSpcReduction="20000"/>
-          </a:bodyPr>
-          <a:lstStyle/>
-          <a:p>
-            <a:r>
-              <a:rPr lang="en-US" sz="3800" dirty="0"/>
-              <a:t>Difficulties (or lack thereof):</a:t>
-            </a:r>
-          </a:p>
-          <a:p>
-            <a:pPr lvl="1"/>
-            <a:r>
-              <a:rPr lang="en-US" sz="3800" dirty="0"/>
-              <a:t>Tab separated, converted to comma separated</a:t>
-            </a:r>
-          </a:p>
-          <a:p>
-            <a:pPr lvl="1"/>
-            <a:r>
-              <a:rPr lang="en-US" sz="3800" dirty="0"/>
-              <a:t>Data was free use and download</a:t>
-            </a:r>
-          </a:p>
-          <a:p>
-            <a:pPr lvl="1"/>
-            <a:r>
-              <a:rPr lang="en-US" sz="3800" dirty="0"/>
-              <a:t>Not API</a:t>
-            </a:r>
-          </a:p>
-          <a:p>
-            <a:pPr lvl="3"/>
-            <a:endParaRPr lang="en-US" dirty="0"/>
-          </a:p>
-          <a:p>
-            <a:pPr lvl="1"/>
-            <a:endParaRPr lang="en-US" dirty="0"/>
-          </a:p>
-        </p:txBody>
-      </p:sp>
-      <p:sp>
-        <p:nvSpPr>
-          <p:cNvPr id="4" name="Content Placeholder 3">
+          <p:cNvPicPr>
+            <a:picLocks noGrp="1" noChangeAspect="1"/>
+          </p:cNvPicPr>
+          <p:nvPr>
+            <p:ph idx="1"/>
+          </p:nvPr>
+        </p:nvPicPr>
+        <p:blipFill>
+          <a:blip r:embed="rId3">
+            <a:extLst>
+              <a:ext uri="{28A0092B-C50C-407E-A947-70E740481C1C}">
+                <a14:useLocalDpi xmlns:a14="http://schemas.microsoft.com/office/drawing/2010/main" val="0"/>
+              </a:ext>
+              <a:ext uri="{837473B0-CC2E-450A-ABE3-18F120FF3D39}">
+                <a1611:picAttrSrcUrl xmlns:a1611="http://schemas.microsoft.com/office/drawing/2016/11/main" r:id="rId4"/>
+              </a:ext>
+            </a:extLst>
+          </a:blip>
+          <a:stretch>
+            <a:fillRect/>
+          </a:stretch>
+        </p:blipFill>
+        <p:spPr>
+          <a:xfrm>
+            <a:off x="3019988" y="1701737"/>
+            <a:ext cx="7188883" cy="4272083"/>
+          </a:xfrm>
+        </p:spPr>
+      </p:pic>
+      <p:sp>
+        <p:nvSpPr>
+          <p:cNvPr id="8" name="TextBox 7">
             <a:extLst>
               <a:ext uri="{FF2B5EF4-FFF2-40B4-BE49-F238E27FC236}">
-                <a16:creationId xmlns:a16="http://schemas.microsoft.com/office/drawing/2014/main" id="{531A29B4-6C35-462F-80D9-134ECB5851E8}"/>
+                <a16:creationId xmlns:a16="http://schemas.microsoft.com/office/drawing/2014/main" id="{DDE17E53-11EF-4C2F-A5B1-3712C81F0501}"/>
               </a:ext>
             </a:extLst>
           </p:cNvPr>
-          <p:cNvSpPr>
-            <a:spLocks noGrp="1"/>
-          </p:cNvSpPr>
-          <p:nvPr>
-            <p:ph sz="half" idx="2"/>
-          </p:nvPr>
+          <p:cNvSpPr txBox="1"/>
+          <p:nvPr/>
         </p:nvSpPr>
         <p:spPr>
           <a:xfrm>
-            <a:off x="6096000" y="2285999"/>
-            <a:ext cx="5801833" cy="4423145"/>
+            <a:off x="3019988" y="5941368"/>
+            <a:ext cx="7188883" cy="230832"/>
           </a:xfrm>
+          <a:prstGeom prst="rect">
+            <a:avLst/>
+          </a:prstGeom>
+          <a:noFill/>
         </p:spPr>
         <p:txBody>
-          <a:bodyPr>
-            <a:normAutofit fontScale="85000" lnSpcReduction="20000"/>
+          <a:bodyPr wrap="square" rtlCol="0">
+            <a:spAutoFit/>
           </a:bodyPr>
           <a:lstStyle/>
           <a:p>
             <a:r>
-              <a:rPr lang="en-US" sz="2100" dirty="0"/>
-              <a:t>Additional questions/further examination:</a:t>
-            </a:r>
-          </a:p>
-          <a:p>
-            <a:pPr lvl="1"/>
-            <a:r>
-              <a:rPr lang="en-US" sz="2100" dirty="0"/>
-              <a:t>IMDb vs. other rating systems</a:t>
-            </a:r>
-          </a:p>
-          <a:p>
-            <a:pPr lvl="1"/>
-            <a:r>
-              <a:rPr lang="en-US" sz="2100" dirty="0"/>
-              <a:t>Explore multi- and subgenre data further</a:t>
-            </a:r>
-          </a:p>
-          <a:p>
-            <a:pPr lvl="2"/>
-            <a:r>
-              <a:rPr lang="en-US" sz="2100" dirty="0"/>
-              <a:t>“Home Alone” effect</a:t>
-            </a:r>
-          </a:p>
-          <a:p>
-            <a:pPr lvl="2"/>
-            <a:r>
-              <a:rPr lang="en-US" sz="2100" dirty="0"/>
-              <a:t>Dark comedy, family comedy, etc.</a:t>
-            </a:r>
-          </a:p>
-          <a:p>
-            <a:pPr lvl="1"/>
-            <a:r>
-              <a:rPr lang="en-US" sz="2100" dirty="0"/>
-              <a:t>Movie budget/profit</a:t>
-            </a:r>
-          </a:p>
-          <a:p>
-            <a:pPr lvl="1"/>
-            <a:r>
-              <a:rPr lang="en-US" sz="2100" dirty="0"/>
-              <a:t>Actors/directors/producers/studios</a:t>
-            </a:r>
-          </a:p>
-          <a:p>
-            <a:pPr lvl="1"/>
-            <a:r>
-              <a:rPr lang="en-US" sz="2100" dirty="0"/>
-              <a:t>Find more data about other influential factors</a:t>
-            </a:r>
-          </a:p>
-          <a:p>
-            <a:pPr lvl="2"/>
-            <a:r>
-              <a:rPr lang="en-US" sz="2100" dirty="0"/>
-              <a:t>Data of users</a:t>
-            </a:r>
-          </a:p>
-          <a:p>
-            <a:pPr lvl="3"/>
-            <a:r>
-              <a:rPr lang="en-US" sz="2100" dirty="0"/>
-              <a:t>Age</a:t>
-            </a:r>
-          </a:p>
-          <a:p>
-            <a:pPr lvl="3"/>
-            <a:r>
-              <a:rPr lang="en-US" sz="2100" dirty="0"/>
-              <a:t>Gender</a:t>
-            </a:r>
-          </a:p>
-          <a:p>
-            <a:pPr lvl="3"/>
-            <a:r>
-              <a:rPr lang="en-US" sz="2100" dirty="0"/>
-              <a:t>Location</a:t>
-            </a:r>
-          </a:p>
-          <a:p>
-            <a:pPr lvl="3"/>
-            <a:r>
-              <a:rPr lang="en-US" sz="2100" dirty="0"/>
-              <a:t>Socioeconomic factors</a:t>
-            </a:r>
-          </a:p>
-          <a:p>
-            <a:endParaRPr lang="en-US" sz="1600" dirty="0"/>
+              <a:rPr lang="en-US" sz="900">
+                <a:hlinkClick r:id="rId4" tooltip="http://pngimg.com/download/38182"/>
+              </a:rPr>
+              <a:t>This Photo</a:t>
+            </a:r>
+            <a:r>
+              <a:rPr lang="en-US" sz="900"/>
+              <a:t> by Unknown Author is licensed under </a:t>
+            </a:r>
+            <a:r>
+              <a:rPr lang="en-US" sz="900">
+                <a:hlinkClick r:id="rId5" tooltip="https://creativecommons.org/licenses/by-nc/3.0/"/>
+              </a:rPr>
+              <a:t>CC BY-NC</a:t>
+            </a:r>
+            <a:endParaRPr lang="en-US" sz="900"/>
           </a:p>
         </p:txBody>
       </p:sp>
     </p:spTree>
     <p:extLst>
       <p:ext uri="{BB962C8B-B14F-4D97-AF65-F5344CB8AC3E}">
-        <p14:creationId xmlns:p14="http://schemas.microsoft.com/office/powerpoint/2010/main" val="2371117256"/>
+        <p14:creationId xmlns:p14="http://schemas.microsoft.com/office/powerpoint/2010/main" val="145975398"/>
       </p:ext>
     </p:extLst>
   </p:cSld>
@@ -15925,153 +15836,6 @@
     <p:extLst>
       <p:ext uri="{BB962C8B-B14F-4D97-AF65-F5344CB8AC3E}">
         <p14:creationId xmlns:p14="http://schemas.microsoft.com/office/powerpoint/2010/main" val="2424042101"/>
-      </p:ext>
-    </p:extLst>
-  </p:cSld>
-  <p:clrMapOvr>
-    <a:masterClrMapping/>
-  </p:clrMapOvr>
-</p:sld>
-</file>
-
-<file path=ppt/slides/slide30.xml><?xml version="1.0" encoding="utf-8"?>
-<p:sld xmlns:a="http://schemas.openxmlformats.org/drawingml/2006/main" xmlns:r="http://schemas.openxmlformats.org/officeDocument/2006/relationships" xmlns:p="http://schemas.openxmlformats.org/presentationml/2006/main">
-  <p:cSld>
-    <p:spTree>
-      <p:nvGrpSpPr>
-        <p:cNvPr id="1" name=""/>
-        <p:cNvGrpSpPr/>
-        <p:nvPr/>
-      </p:nvGrpSpPr>
-      <p:grpSpPr>
-        <a:xfrm>
-          <a:off x="0" y="0"/>
-          <a:ext cx="0" cy="0"/>
-          <a:chOff x="0" y="0"/>
-          <a:chExt cx="0" cy="0"/>
-        </a:xfrm>
-      </p:grpSpPr>
-      <p:sp>
-        <p:nvSpPr>
-          <p:cNvPr id="4" name="Title 3">
-            <a:extLst>
-              <a:ext uri="{FF2B5EF4-FFF2-40B4-BE49-F238E27FC236}">
-                <a16:creationId xmlns:a16="http://schemas.microsoft.com/office/drawing/2014/main" id="{A5F0E66B-1A7D-4D0A-9DD7-D9D4B5B83398}"/>
-              </a:ext>
-            </a:extLst>
-          </p:cNvPr>
-          <p:cNvSpPr>
-            <a:spLocks noGrp="1"/>
-          </p:cNvSpPr>
-          <p:nvPr>
-            <p:ph type="title"/>
-          </p:nvPr>
-        </p:nvSpPr>
-        <p:spPr/>
-        <p:txBody>
-          <a:bodyPr anchor="ctr">
-            <a:normAutofit/>
-          </a:bodyPr>
-          <a:lstStyle/>
-          <a:p>
-            <a:pPr algn="ctr"/>
-            <a:r>
-              <a:rPr lang="en-US" sz="7200" dirty="0"/>
-              <a:t>Questions?</a:t>
-            </a:r>
-          </a:p>
-        </p:txBody>
-      </p:sp>
-      <p:pic>
-        <p:nvPicPr>
-          <p:cNvPr id="7" name="Content Placeholder 6">
-            <a:extLst>
-              <a:ext uri="{FF2B5EF4-FFF2-40B4-BE49-F238E27FC236}">
-                <a16:creationId xmlns:a16="http://schemas.microsoft.com/office/drawing/2014/main" id="{42E1B880-EC14-4E30-B6A1-3565E16FB04F}"/>
-              </a:ext>
-            </a:extLst>
-          </p:cNvPr>
-          <p:cNvPicPr>
-            <a:picLocks noGrp="1" noChangeAspect="1"/>
-          </p:cNvPicPr>
-          <p:nvPr>
-            <p:ph idx="1"/>
-          </p:nvPr>
-        </p:nvPicPr>
-        <p:blipFill>
-          <a:blip r:embed="rId3">
-            <a:extLst>
-              <a:ext uri="{28A0092B-C50C-407E-A947-70E740481C1C}">
-                <a14:useLocalDpi xmlns:a14="http://schemas.microsoft.com/office/drawing/2010/main" val="0"/>
-              </a:ext>
-              <a:ext uri="{837473B0-CC2E-450A-ABE3-18F120FF3D39}">
-                <a1611:picAttrSrcUrl xmlns:a1611="http://schemas.microsoft.com/office/drawing/2016/11/main" r:id="rId4"/>
-              </a:ext>
-            </a:extLst>
-          </a:blip>
-          <a:stretch>
-            <a:fillRect/>
-          </a:stretch>
-        </p:blipFill>
-        <p:spPr>
-          <a:xfrm>
-            <a:off x="3019988" y="1701737"/>
-            <a:ext cx="7188883" cy="4272083"/>
-          </a:xfrm>
-        </p:spPr>
-      </p:pic>
-      <p:sp>
-        <p:nvSpPr>
-          <p:cNvPr id="8" name="TextBox 7">
-            <a:extLst>
-              <a:ext uri="{FF2B5EF4-FFF2-40B4-BE49-F238E27FC236}">
-                <a16:creationId xmlns:a16="http://schemas.microsoft.com/office/drawing/2014/main" id="{DDE17E53-11EF-4C2F-A5B1-3712C81F0501}"/>
-              </a:ext>
-            </a:extLst>
-          </p:cNvPr>
-          <p:cNvSpPr txBox="1"/>
-          <p:nvPr/>
-        </p:nvSpPr>
-        <p:spPr>
-          <a:xfrm>
-            <a:off x="3019988" y="5941368"/>
-            <a:ext cx="7188883" cy="230832"/>
-          </a:xfrm>
-          <a:prstGeom prst="rect">
-            <a:avLst/>
-          </a:prstGeom>
-          <a:noFill/>
-        </p:spPr>
-        <p:txBody>
-          <a:bodyPr wrap="square" rtlCol="0">
-            <a:spAutoFit/>
-          </a:bodyPr>
-          <a:lstStyle/>
-          <a:p>
-            <a:r>
-              <a:rPr lang="en-US" sz="900">
-                <a:hlinkClick r:id="rId4" tooltip="http://pngimg.com/download/38182"/>
-              </a:rPr>
-              <a:t>This Photo</a:t>
-            </a:r>
-            <a:r>
-              <a:rPr lang="en-US" sz="900"/>
-              <a:t> by Unknown Author is licensed under </a:t>
-            </a:r>
-            <a:r>
-              <a:rPr lang="en-US" sz="900">
-                <a:hlinkClick r:id="rId5" tooltip="https://creativecommons.org/licenses/by-nc/3.0/"/>
-              </a:rPr>
-              <a:t>CC BY-NC</a:t>
-            </a:r>
-            <a:endParaRPr lang="en-US" sz="900"/>
-          </a:p>
-        </p:txBody>
-      </p:sp>
-    </p:spTree>
-    <p:extLst>
-      <p:ext uri="{BB962C8B-B14F-4D97-AF65-F5344CB8AC3E}">
-        <p14:creationId xmlns:p14="http://schemas.microsoft.com/office/powerpoint/2010/main" val="145975398"/>
       </p:ext>
     </p:extLst>
   </p:cSld>
@@ -19278,7 +19042,7 @@
             <a:pPr lvl="1"/>
             <a:r>
               <a:rPr lang="en-US" dirty="0"/>
-              <a:t>Is the volume of movies released related to movie rating?</a:t>
+              <a:t>Is the movie release year related to movie rating?</a:t>
             </a:r>
           </a:p>
           <a:p>
@@ -19406,7 +19170,7 @@
           <a:p>
             <a:r>
               <a:rPr lang="en-US" dirty="0"/>
-              <a:t>Is the volume of movies released related to movie rating?</a:t>
+              <a:t>Is the movie release year related to movie rating?</a:t>
             </a:r>
           </a:p>
         </p:txBody>
@@ -19459,15 +19223,12 @@
         </p:nvSpPr>
         <p:spPr/>
         <p:txBody>
-          <a:bodyPr>
-            <a:noAutofit/>
-          </a:bodyPr>
+          <a:bodyPr/>
           <a:lstStyle/>
           <a:p>
-            <a:pPr lvl="1"/>
-            <a:r>
-              <a:rPr lang="en-US" sz="4800" dirty="0"/>
-              <a:t>Is the volume of movies released related to movie rating?</a:t>
+            <a:r>
+              <a:rPr lang="en-US" dirty="0"/>
+              <a:t>Does the release year affect movie rating?</a:t>
             </a:r>
           </a:p>
         </p:txBody>
@@ -19502,14 +19263,14 @@
             <a:pPr lvl="1"/>
             <a:r>
               <a:rPr lang="en-US" dirty="0"/>
-              <a:t>Compared number of movies released in each year to average rating</a:t>
+              <a:t>Compared the number of movies released in each year to the average rating</a:t>
             </a:r>
           </a:p>
           <a:p>
             <a:pPr lvl="1"/>
             <a:r>
               <a:rPr lang="en-US" dirty="0"/>
-              <a:t>Rating is average of average rating for individual years</a:t>
+              <a:t>Rating is average all ratings for all movies in individual years</a:t>
             </a:r>
           </a:p>
           <a:p>
@@ -19529,10 +19290,10 @@
       </p:sp>
       <p:pic>
         <p:nvPicPr>
-          <p:cNvPr id="6" name="Content Placeholder 5">
+          <p:cNvPr id="8" name="Content Placeholder 7">
             <a:extLst>
               <a:ext uri="{FF2B5EF4-FFF2-40B4-BE49-F238E27FC236}">
-                <a16:creationId xmlns:a16="http://schemas.microsoft.com/office/drawing/2014/main" id="{6146236B-3A54-455E-B36C-9E786F505085}"/>
+                <a16:creationId xmlns:a16="http://schemas.microsoft.com/office/drawing/2014/main" id="{71B13813-E0BB-449B-B89F-0902728DAA5A}"/>
               </a:ext>
             </a:extLst>
           </p:cNvPr>
@@ -19557,15 +19318,15 @@
         </p:blipFill>
         <p:spPr>
           <a:xfrm>
-            <a:off x="5720746" y="2523819"/>
-            <a:ext cx="6166097" cy="4135056"/>
+            <a:off x="5904525" y="2171700"/>
+            <a:ext cx="5852225" cy="3956434"/>
           </a:xfrm>
         </p:spPr>
       </p:pic>
     </p:spTree>
     <p:extLst>
       <p:ext uri="{BB962C8B-B14F-4D97-AF65-F5344CB8AC3E}">
-        <p14:creationId xmlns:p14="http://schemas.microsoft.com/office/powerpoint/2010/main" val="3714823531"/>
+        <p14:creationId xmlns:p14="http://schemas.microsoft.com/office/powerpoint/2010/main" val="1577390489"/>
       </p:ext>
     </p:extLst>
   </p:cSld>
